--- a/SKIN_TEST/imu3d_ece498.pptx
+++ b/SKIN_TEST/imu3d_ece498.pptx
@@ -6605,7 +6605,27 @@
             </a:pPr>
             <a:r>
               <a:rPr lang="en" dirty="0"/>
-              <a:t>Gimbal lock</a:t>
+              <a:t>Gimbal lock: </a:t>
+            </a:r>
+            <a:r>
+              <a:rPr lang="en-US" dirty="0"/>
+              <a:t>Pitch/Yaw same at 90 degrees</a:t>
+            </a:r>
+          </a:p>
+          <a:p>
+            <a:pPr marL="914400" lvl="1" indent="-317500" algn="l" rtl="0">
+              <a:spcBef>
+                <a:spcPts val="0"/>
+              </a:spcBef>
+              <a:spcAft>
+                <a:spcPts val="0"/>
+              </a:spcAft>
+              <a:buSzPts val="1400"/>
+              <a:buChar char="○"/>
+            </a:pPr>
+            <a:r>
+              <a:rPr lang="en-US" dirty="0"/>
+              <a:t>Less computations</a:t>
             </a:r>
             <a:endParaRPr dirty="0"/>
           </a:p>
@@ -6639,7 +6659,11 @@
             </a:pPr>
             <a:r>
               <a:rPr lang="en" dirty="0"/>
-              <a:t>Scaling</a:t>
+              <a:t>Scaling + </a:t>
+            </a:r>
+            <a:r>
+              <a:rPr lang="en-US"/>
+              <a:t>Normalization</a:t>
             </a:r>
             <a:endParaRPr dirty="0"/>
           </a:p>
@@ -6675,7 +6699,6 @@
               <a:rPr lang="en-US" dirty="0"/>
               <a:t>Take in gyro readings and timestamp, integrate to get orientation based on previous orientation</a:t>
             </a:r>
-            <a:endParaRPr dirty="0"/>
           </a:p>
           <a:p>
             <a:pPr marL="914400" lvl="1" indent="-317500" algn="l" rtl="0">
@@ -6689,8 +6712,24 @@
               <a:buChar char="○"/>
             </a:pPr>
             <a:r>
-              <a:rPr lang="en" dirty="0"/>
-              <a:t>INSERT BREIF OVERVIEW OF MADGWICK</a:t>
+              <a:rPr lang="en-US" dirty="0" err="1"/>
+              <a:t>Madgwick</a:t>
+            </a:r>
+            <a:r>
+              <a:rPr lang="en-US" dirty="0"/>
+              <a:t> reformats quaternion calculation as a minimum optimization problem</a:t>
+            </a:r>
+          </a:p>
+          <a:p>
+            <a:pPr lvl="2">
+              <a:spcBef>
+                <a:spcPts val="0"/>
+              </a:spcBef>
+              <a:buChar char="○"/>
+            </a:pPr>
+            <a:r>
+              <a:rPr lang="en-US" dirty="0"/>
+              <a:t>Uses gradient descent to calculate the best next quaternion</a:t>
             </a:r>
             <a:endParaRPr dirty="0"/>
           </a:p>

--- a/SKIN_TEST/imu3d_ece498.pptx
+++ b/SKIN_TEST/imu3d_ece498.pptx
@@ -6456,10 +6456,10 @@
       </p:sp>
       <p:pic>
         <p:nvPicPr>
-          <p:cNvPr id="2" name="Picture 1">
+          <p:cNvPr id="3" name="Picture 2">
             <a:extLst>
               <a:ext uri="{FF2B5EF4-FFF2-40B4-BE49-F238E27FC236}">
-                <a16:creationId xmlns:a16="http://schemas.microsoft.com/office/drawing/2014/main" id="{865783BF-92E2-491E-984D-C149C9B6EC82}"/>
+                <a16:creationId xmlns:a16="http://schemas.microsoft.com/office/drawing/2014/main" id="{18C31276-39B5-4FFB-963F-0BC57575C956}"/>
               </a:ext>
             </a:extLst>
           </p:cNvPr>
@@ -6476,8 +6476,8 @@
         </p:blipFill>
         <p:spPr>
           <a:xfrm>
-            <a:off x="5663455" y="0"/>
-            <a:ext cx="2300898" cy="5143500"/>
+            <a:off x="5717032" y="0"/>
+            <a:ext cx="2203560" cy="5143500"/>
           </a:xfrm>
           <a:prstGeom prst="rect">
             <a:avLst/>
